--- a/week9/emotiondiary/프로그래머스_9주차_리액트프로젝트_배포하기.pptx
+++ b/week9/emotiondiary/프로그래머스_9주차_리액트프로젝트_배포하기.pptx
@@ -262,7 +262,7 @@
           <a:p>
             <a:fld id="{FEF669CD-7EDA-4A27-B453-76827CFB8101}" type="datetimeFigureOut">
               <a:rPr lang="ko-KR" altLang="en-US" smtClean="0"/>
-              <a:t>2024-06-14</a:t>
+              <a:t>2024-06-19</a:t>
             </a:fld>
             <a:endParaRPr lang="ko-KR" altLang="en-US"/>
           </a:p>
@@ -460,7 +460,7 @@
           <a:p>
             <a:fld id="{FEF669CD-7EDA-4A27-B453-76827CFB8101}" type="datetimeFigureOut">
               <a:rPr lang="ko-KR" altLang="en-US" smtClean="0"/>
-              <a:t>2024-06-14</a:t>
+              <a:t>2024-06-19</a:t>
             </a:fld>
             <a:endParaRPr lang="ko-KR" altLang="en-US"/>
           </a:p>
@@ -668,7 +668,7 @@
           <a:p>
             <a:fld id="{FEF669CD-7EDA-4A27-B453-76827CFB8101}" type="datetimeFigureOut">
               <a:rPr lang="ko-KR" altLang="en-US" smtClean="0"/>
-              <a:t>2024-06-14</a:t>
+              <a:t>2024-06-19</a:t>
             </a:fld>
             <a:endParaRPr lang="ko-KR" altLang="en-US"/>
           </a:p>
@@ -866,7 +866,7 @@
           <a:p>
             <a:fld id="{FEF669CD-7EDA-4A27-B453-76827CFB8101}" type="datetimeFigureOut">
               <a:rPr lang="ko-KR" altLang="en-US" smtClean="0"/>
-              <a:t>2024-06-14</a:t>
+              <a:t>2024-06-19</a:t>
             </a:fld>
             <a:endParaRPr lang="ko-KR" altLang="en-US"/>
           </a:p>
@@ -1141,7 +1141,7 @@
           <a:p>
             <a:fld id="{FEF669CD-7EDA-4A27-B453-76827CFB8101}" type="datetimeFigureOut">
               <a:rPr lang="ko-KR" altLang="en-US" smtClean="0"/>
-              <a:t>2024-06-14</a:t>
+              <a:t>2024-06-19</a:t>
             </a:fld>
             <a:endParaRPr lang="ko-KR" altLang="en-US"/>
           </a:p>
@@ -1406,7 +1406,7 @@
           <a:p>
             <a:fld id="{FEF669CD-7EDA-4A27-B453-76827CFB8101}" type="datetimeFigureOut">
               <a:rPr lang="ko-KR" altLang="en-US" smtClean="0"/>
-              <a:t>2024-06-14</a:t>
+              <a:t>2024-06-19</a:t>
             </a:fld>
             <a:endParaRPr lang="ko-KR" altLang="en-US"/>
           </a:p>
@@ -1818,7 +1818,7 @@
           <a:p>
             <a:fld id="{FEF669CD-7EDA-4A27-B453-76827CFB8101}" type="datetimeFigureOut">
               <a:rPr lang="ko-KR" altLang="en-US" smtClean="0"/>
-              <a:t>2024-06-14</a:t>
+              <a:t>2024-06-19</a:t>
             </a:fld>
             <a:endParaRPr lang="ko-KR" altLang="en-US"/>
           </a:p>
@@ -1959,7 +1959,7 @@
           <a:p>
             <a:fld id="{FEF669CD-7EDA-4A27-B453-76827CFB8101}" type="datetimeFigureOut">
               <a:rPr lang="ko-KR" altLang="en-US" smtClean="0"/>
-              <a:t>2024-06-14</a:t>
+              <a:t>2024-06-19</a:t>
             </a:fld>
             <a:endParaRPr lang="ko-KR" altLang="en-US"/>
           </a:p>
@@ -2072,7 +2072,7 @@
           <a:p>
             <a:fld id="{FEF669CD-7EDA-4A27-B453-76827CFB8101}" type="datetimeFigureOut">
               <a:rPr lang="ko-KR" altLang="en-US" smtClean="0"/>
-              <a:t>2024-06-14</a:t>
+              <a:t>2024-06-19</a:t>
             </a:fld>
             <a:endParaRPr lang="ko-KR" altLang="en-US"/>
           </a:p>
@@ -2383,7 +2383,7 @@
           <a:p>
             <a:fld id="{FEF669CD-7EDA-4A27-B453-76827CFB8101}" type="datetimeFigureOut">
               <a:rPr lang="ko-KR" altLang="en-US" smtClean="0"/>
-              <a:t>2024-06-14</a:t>
+              <a:t>2024-06-19</a:t>
             </a:fld>
             <a:endParaRPr lang="ko-KR" altLang="en-US"/>
           </a:p>
@@ -2671,7 +2671,7 @@
           <a:p>
             <a:fld id="{FEF669CD-7EDA-4A27-B453-76827CFB8101}" type="datetimeFigureOut">
               <a:rPr lang="ko-KR" altLang="en-US" smtClean="0"/>
-              <a:t>2024-06-14</a:t>
+              <a:t>2024-06-19</a:t>
             </a:fld>
             <a:endParaRPr lang="ko-KR" altLang="en-US"/>
           </a:p>
@@ -2912,7 +2912,7 @@
           <a:p>
             <a:fld id="{FEF669CD-7EDA-4A27-B453-76827CFB8101}" type="datetimeFigureOut">
               <a:rPr lang="ko-KR" altLang="en-US" smtClean="0"/>
-              <a:t>2024-06-14</a:t>
+              <a:t>2024-06-19</a:t>
             </a:fld>
             <a:endParaRPr lang="ko-KR" altLang="en-US"/>
           </a:p>
